--- a/folien/week12.pptx
+++ b/folien/week12.pptx
@@ -225,7 +225,7 @@
           <a:p>
             <a:fld id="{21C000D9-2858-4F4C-AF5C-64F79A7C2410}" type="datetimeFigureOut">
               <a:rPr lang="en-US" smtClean="0"/>
-              <a:t>1/12/2022</a:t>
+              <a:t>6/21/2022</a:t>
             </a:fld>
             <a:endParaRPr lang="en-US"/>
           </a:p>
@@ -3245,7 +3245,7 @@
                 <a:latin typeface="Arial" panose="020B0604020202020204" pitchFamily="34" charset="0"/>
                 <a:cs typeface="Arial" panose="020B0604020202020204" pitchFamily="34" charset="0"/>
               </a:rPr>
-              <a:t>12.1.22</a:t>
+              <a:t>21.6.22</a:t>
             </a:r>
           </a:p>
         </p:txBody>
